--- a/ppt/005 - DOM manupu .pptx
+++ b/ppt/005 - DOM manupu .pptx
@@ -73,7 +73,7 @@
         <a:latin typeface="+mj-lt"/>
         <a:ea typeface="+mj-ea"/>
         <a:cs typeface="+mj-cs"/>
-        <a:sym typeface="Calibri"/>
+        <a:sym typeface="Helvetica"/>
       </a:defRPr>
     </a:lvl1pPr>
     <a:lvl2pPr marL="0" marR="0" indent="0" algn="l" defTabSz="914400" rtl="0" fontAlgn="auto" latinLnBrk="0" hangingPunct="0">
@@ -103,7 +103,7 @@
         <a:latin typeface="+mj-lt"/>
         <a:ea typeface="+mj-ea"/>
         <a:cs typeface="+mj-cs"/>
-        <a:sym typeface="Calibri"/>
+        <a:sym typeface="Helvetica"/>
       </a:defRPr>
     </a:lvl2pPr>
     <a:lvl3pPr marL="0" marR="0" indent="0" algn="l" defTabSz="914400" rtl="0" fontAlgn="auto" latinLnBrk="0" hangingPunct="0">
@@ -133,7 +133,7 @@
         <a:latin typeface="+mj-lt"/>
         <a:ea typeface="+mj-ea"/>
         <a:cs typeface="+mj-cs"/>
-        <a:sym typeface="Calibri"/>
+        <a:sym typeface="Helvetica"/>
       </a:defRPr>
     </a:lvl3pPr>
     <a:lvl4pPr marL="0" marR="0" indent="0" algn="l" defTabSz="914400" rtl="0" fontAlgn="auto" latinLnBrk="0" hangingPunct="0">
@@ -163,7 +163,7 @@
         <a:latin typeface="+mj-lt"/>
         <a:ea typeface="+mj-ea"/>
         <a:cs typeface="+mj-cs"/>
-        <a:sym typeface="Calibri"/>
+        <a:sym typeface="Helvetica"/>
       </a:defRPr>
     </a:lvl4pPr>
     <a:lvl5pPr marL="0" marR="0" indent="0" algn="l" defTabSz="914400" rtl="0" fontAlgn="auto" latinLnBrk="0" hangingPunct="0">
@@ -193,7 +193,7 @@
         <a:latin typeface="+mj-lt"/>
         <a:ea typeface="+mj-ea"/>
         <a:cs typeface="+mj-cs"/>
-        <a:sym typeface="Calibri"/>
+        <a:sym typeface="Helvetica"/>
       </a:defRPr>
     </a:lvl5pPr>
     <a:lvl6pPr marL="0" marR="0" indent="0" algn="l" defTabSz="914400" rtl="0" fontAlgn="auto" latinLnBrk="0" hangingPunct="0">
@@ -223,7 +223,7 @@
         <a:latin typeface="+mj-lt"/>
         <a:ea typeface="+mj-ea"/>
         <a:cs typeface="+mj-cs"/>
-        <a:sym typeface="Calibri"/>
+        <a:sym typeface="Helvetica"/>
       </a:defRPr>
     </a:lvl6pPr>
     <a:lvl7pPr marL="0" marR="0" indent="0" algn="l" defTabSz="914400" rtl="0" fontAlgn="auto" latinLnBrk="0" hangingPunct="0">
@@ -253,7 +253,7 @@
         <a:latin typeface="+mj-lt"/>
         <a:ea typeface="+mj-ea"/>
         <a:cs typeface="+mj-cs"/>
-        <a:sym typeface="Calibri"/>
+        <a:sym typeface="Helvetica"/>
       </a:defRPr>
     </a:lvl7pPr>
     <a:lvl8pPr marL="0" marR="0" indent="0" algn="l" defTabSz="914400" rtl="0" fontAlgn="auto" latinLnBrk="0" hangingPunct="0">
@@ -283,7 +283,7 @@
         <a:latin typeface="+mj-lt"/>
         <a:ea typeface="+mj-ea"/>
         <a:cs typeface="+mj-cs"/>
-        <a:sym typeface="Calibri"/>
+        <a:sym typeface="Helvetica"/>
       </a:defRPr>
     </a:lvl8pPr>
     <a:lvl9pPr marL="0" marR="0" indent="0" algn="l" defTabSz="914400" rtl="0" fontAlgn="auto" latinLnBrk="0" hangingPunct="0">
@@ -313,7 +313,7 @@
         <a:latin typeface="+mj-lt"/>
         <a:ea typeface="+mj-ea"/>
         <a:cs typeface="+mj-cs"/>
-        <a:sym typeface="Calibri"/>
+        <a:sym typeface="Helvetica"/>
       </a:defRPr>
     </a:lvl9pPr>
   </p:defaultTextStyle>
@@ -397,73 +397,73 @@
   <p:notesStyle>
     <a:lvl1pPr latinLnBrk="0">
       <a:defRPr sz="1200">
-        <a:latin typeface="+mj-lt"/>
-        <a:ea typeface="+mj-ea"/>
-        <a:cs typeface="+mj-cs"/>
+        <a:latin typeface="+mn-lt"/>
+        <a:ea typeface="+mn-ea"/>
+        <a:cs typeface="+mn-cs"/>
         <a:sym typeface="Calibri"/>
       </a:defRPr>
     </a:lvl1pPr>
     <a:lvl2pPr indent="228600" latinLnBrk="0">
       <a:defRPr sz="1200">
-        <a:latin typeface="+mj-lt"/>
-        <a:ea typeface="+mj-ea"/>
-        <a:cs typeface="+mj-cs"/>
+        <a:latin typeface="+mn-lt"/>
+        <a:ea typeface="+mn-ea"/>
+        <a:cs typeface="+mn-cs"/>
         <a:sym typeface="Calibri"/>
       </a:defRPr>
     </a:lvl2pPr>
     <a:lvl3pPr indent="457200" latinLnBrk="0">
       <a:defRPr sz="1200">
-        <a:latin typeface="+mj-lt"/>
-        <a:ea typeface="+mj-ea"/>
-        <a:cs typeface="+mj-cs"/>
+        <a:latin typeface="+mn-lt"/>
+        <a:ea typeface="+mn-ea"/>
+        <a:cs typeface="+mn-cs"/>
         <a:sym typeface="Calibri"/>
       </a:defRPr>
     </a:lvl3pPr>
     <a:lvl4pPr indent="685800" latinLnBrk="0">
       <a:defRPr sz="1200">
-        <a:latin typeface="+mj-lt"/>
-        <a:ea typeface="+mj-ea"/>
-        <a:cs typeface="+mj-cs"/>
+        <a:latin typeface="+mn-lt"/>
+        <a:ea typeface="+mn-ea"/>
+        <a:cs typeface="+mn-cs"/>
         <a:sym typeface="Calibri"/>
       </a:defRPr>
     </a:lvl4pPr>
     <a:lvl5pPr indent="914400" latinLnBrk="0">
       <a:defRPr sz="1200">
-        <a:latin typeface="+mj-lt"/>
-        <a:ea typeface="+mj-ea"/>
-        <a:cs typeface="+mj-cs"/>
+        <a:latin typeface="+mn-lt"/>
+        <a:ea typeface="+mn-ea"/>
+        <a:cs typeface="+mn-cs"/>
         <a:sym typeface="Calibri"/>
       </a:defRPr>
     </a:lvl5pPr>
     <a:lvl6pPr indent="1143000" latinLnBrk="0">
       <a:defRPr sz="1200">
-        <a:latin typeface="+mj-lt"/>
-        <a:ea typeface="+mj-ea"/>
-        <a:cs typeface="+mj-cs"/>
+        <a:latin typeface="+mn-lt"/>
+        <a:ea typeface="+mn-ea"/>
+        <a:cs typeface="+mn-cs"/>
         <a:sym typeface="Calibri"/>
       </a:defRPr>
     </a:lvl6pPr>
     <a:lvl7pPr indent="1371600" latinLnBrk="0">
       <a:defRPr sz="1200">
-        <a:latin typeface="+mj-lt"/>
-        <a:ea typeface="+mj-ea"/>
-        <a:cs typeface="+mj-cs"/>
+        <a:latin typeface="+mn-lt"/>
+        <a:ea typeface="+mn-ea"/>
+        <a:cs typeface="+mn-cs"/>
         <a:sym typeface="Calibri"/>
       </a:defRPr>
     </a:lvl7pPr>
     <a:lvl8pPr indent="1600200" latinLnBrk="0">
       <a:defRPr sz="1200">
-        <a:latin typeface="+mj-lt"/>
-        <a:ea typeface="+mj-ea"/>
-        <a:cs typeface="+mj-cs"/>
+        <a:latin typeface="+mn-lt"/>
+        <a:ea typeface="+mn-ea"/>
+        <a:cs typeface="+mn-cs"/>
         <a:sym typeface="Calibri"/>
       </a:defRPr>
     </a:lvl8pPr>
     <a:lvl9pPr indent="1828800" latinLnBrk="0">
       <a:defRPr sz="1200">
-        <a:latin typeface="+mj-lt"/>
-        <a:ea typeface="+mj-ea"/>
-        <a:cs typeface="+mj-cs"/>
+        <a:latin typeface="+mn-lt"/>
+        <a:ea typeface="+mn-ea"/>
+        <a:cs typeface="+mn-cs"/>
         <a:sym typeface="Calibri"/>
       </a:defRPr>
     </a:lvl9pPr>
@@ -531,7 +531,7 @@
         <p:spPr>
           <a:xfrm>
             <a:off x="1524000" y="3602037"/>
-            <a:ext cx="9144000" cy="1655765"/>
+            <a:ext cx="9144000" cy="1655766"/>
           </a:xfrm>
           <a:prstGeom prst="rect">
             <a:avLst/>
@@ -814,7 +814,7 @@
         <p:spPr>
           <a:xfrm>
             <a:off x="831850" y="4589462"/>
-            <a:ext cx="10515600" cy="1500190"/>
+            <a:ext cx="10515600" cy="1500191"/>
           </a:xfrm>
           <a:prstGeom prst="rect">
             <a:avLst/>
@@ -1117,7 +1117,7 @@
         <p:spPr>
           <a:xfrm>
             <a:off x="839787" y="1681163"/>
-            <a:ext cx="5157790" cy="823915"/>
+            <a:ext cx="5157790" cy="823916"/>
           </a:xfrm>
           <a:prstGeom prst="rect">
             <a:avLst/>
@@ -1131,9 +1131,9 @@
               <a:buFontTx/>
               <a:buNone/>
               <a:defRPr b="1" sz="2400">
-                <a:latin typeface="+mn-lt"/>
-                <a:ea typeface="+mn-ea"/>
-                <a:cs typeface="+mn-cs"/>
+                <a:latin typeface="+mj-lt"/>
+                <a:ea typeface="+mj-ea"/>
+                <a:cs typeface="+mj-cs"/>
                 <a:sym typeface="Helvetica"/>
               </a:defRPr>
             </a:lvl1pPr>
@@ -1142,9 +1142,9 @@
               <a:buFontTx/>
               <a:buNone/>
               <a:defRPr b="1" sz="2400">
-                <a:latin typeface="+mn-lt"/>
-                <a:ea typeface="+mn-ea"/>
-                <a:cs typeface="+mn-cs"/>
+                <a:latin typeface="+mj-lt"/>
+                <a:ea typeface="+mj-ea"/>
+                <a:cs typeface="+mj-cs"/>
                 <a:sym typeface="Helvetica"/>
               </a:defRPr>
             </a:lvl2pPr>
@@ -1153,9 +1153,9 @@
               <a:buFontTx/>
               <a:buNone/>
               <a:defRPr b="1" sz="2400">
-                <a:latin typeface="+mn-lt"/>
-                <a:ea typeface="+mn-ea"/>
-                <a:cs typeface="+mn-cs"/>
+                <a:latin typeface="+mj-lt"/>
+                <a:ea typeface="+mj-ea"/>
+                <a:cs typeface="+mj-cs"/>
                 <a:sym typeface="Helvetica"/>
               </a:defRPr>
             </a:lvl3pPr>
@@ -1164,9 +1164,9 @@
               <a:buFontTx/>
               <a:buNone/>
               <a:defRPr b="1" sz="2400">
-                <a:latin typeface="+mn-lt"/>
-                <a:ea typeface="+mn-ea"/>
-                <a:cs typeface="+mn-cs"/>
+                <a:latin typeface="+mj-lt"/>
+                <a:ea typeface="+mj-ea"/>
+                <a:cs typeface="+mj-cs"/>
                 <a:sym typeface="Helvetica"/>
               </a:defRPr>
             </a:lvl4pPr>
@@ -1175,9 +1175,9 @@
               <a:buFontTx/>
               <a:buNone/>
               <a:defRPr b="1" sz="2400">
-                <a:latin typeface="+mn-lt"/>
-                <a:ea typeface="+mn-ea"/>
-                <a:cs typeface="+mn-cs"/>
+                <a:latin typeface="+mj-lt"/>
+                <a:ea typeface="+mj-ea"/>
+                <a:cs typeface="+mj-cs"/>
                 <a:sym typeface="Helvetica"/>
               </a:defRPr>
             </a:lvl5pPr>
@@ -1450,7 +1450,7 @@
         <p:spPr>
           <a:xfrm>
             <a:off x="5183187" y="987425"/>
-            <a:ext cx="6172203" cy="4873625"/>
+            <a:ext cx="6172204" cy="4873625"/>
           </a:xfrm>
           <a:prstGeom prst="rect">
             <a:avLst/>
@@ -1517,8 +1517,8 @@
         </p:nvSpPr>
         <p:spPr>
           <a:xfrm>
-            <a:off x="839786" y="2057400"/>
-            <a:ext cx="3932242" cy="3811588"/>
+            <a:off x="839785" y="2057400"/>
+            <a:ext cx="3932244" cy="3811588"/>
           </a:xfrm>
           <a:prstGeom prst="rect">
             <a:avLst/>
@@ -1623,7 +1623,7 @@
         <p:spPr>
           <a:xfrm>
             <a:off x="5183187" y="987425"/>
-            <a:ext cx="6172203" cy="4873625"/>
+            <a:ext cx="6172204" cy="4873625"/>
           </a:xfrm>
           <a:prstGeom prst="rect">
             <a:avLst/>
@@ -1887,8 +1887,8 @@
         </p:nvSpPr>
         <p:spPr>
           <a:xfrm>
-            <a:off x="11095181" y="6414762"/>
-            <a:ext cx="258620" cy="248302"/>
+            <a:off x="11080149" y="6404294"/>
+            <a:ext cx="273652" cy="269237"/>
           </a:xfrm>
           <a:prstGeom prst="rect">
             <a:avLst/>
@@ -1907,6 +1907,10 @@
                 <a:solidFill>
                   <a:srgbClr val="888888"/>
                 </a:solidFill>
+                <a:latin typeface="+mn-lt"/>
+                <a:ea typeface="+mn-ea"/>
+                <a:cs typeface="+mn-cs"/>
+                <a:sym typeface="Calibri"/>
               </a:defRPr>
             </a:lvl1pPr>
           </a:lstStyle>
@@ -2189,9 +2193,9 @@
             <a:srgbClr val="000000"/>
           </a:solidFill>
           <a:uFillTx/>
-          <a:latin typeface="+mj-lt"/>
-          <a:ea typeface="+mj-ea"/>
-          <a:cs typeface="+mj-cs"/>
+          <a:latin typeface="+mn-lt"/>
+          <a:ea typeface="+mn-ea"/>
+          <a:cs typeface="+mn-cs"/>
           <a:sym typeface="Calibri"/>
         </a:defRPr>
       </a:lvl1pPr>
@@ -2215,9 +2219,9 @@
             <a:srgbClr val="000000"/>
           </a:solidFill>
           <a:uFillTx/>
-          <a:latin typeface="+mj-lt"/>
-          <a:ea typeface="+mj-ea"/>
-          <a:cs typeface="+mj-cs"/>
+          <a:latin typeface="+mn-lt"/>
+          <a:ea typeface="+mn-ea"/>
+          <a:cs typeface="+mn-cs"/>
           <a:sym typeface="Calibri"/>
         </a:defRPr>
       </a:lvl2pPr>
@@ -2241,9 +2245,9 @@
             <a:srgbClr val="000000"/>
           </a:solidFill>
           <a:uFillTx/>
-          <a:latin typeface="+mj-lt"/>
-          <a:ea typeface="+mj-ea"/>
-          <a:cs typeface="+mj-cs"/>
+          <a:latin typeface="+mn-lt"/>
+          <a:ea typeface="+mn-ea"/>
+          <a:cs typeface="+mn-cs"/>
           <a:sym typeface="Calibri"/>
         </a:defRPr>
       </a:lvl3pPr>
@@ -2267,9 +2271,9 @@
             <a:srgbClr val="000000"/>
           </a:solidFill>
           <a:uFillTx/>
-          <a:latin typeface="+mj-lt"/>
-          <a:ea typeface="+mj-ea"/>
-          <a:cs typeface="+mj-cs"/>
+          <a:latin typeface="+mn-lt"/>
+          <a:ea typeface="+mn-ea"/>
+          <a:cs typeface="+mn-cs"/>
           <a:sym typeface="Calibri"/>
         </a:defRPr>
       </a:lvl4pPr>
@@ -2293,9 +2297,9 @@
             <a:srgbClr val="000000"/>
           </a:solidFill>
           <a:uFillTx/>
-          <a:latin typeface="+mj-lt"/>
-          <a:ea typeface="+mj-ea"/>
-          <a:cs typeface="+mj-cs"/>
+          <a:latin typeface="+mn-lt"/>
+          <a:ea typeface="+mn-ea"/>
+          <a:cs typeface="+mn-cs"/>
           <a:sym typeface="Calibri"/>
         </a:defRPr>
       </a:lvl5pPr>
@@ -2319,9 +2323,9 @@
             <a:srgbClr val="000000"/>
           </a:solidFill>
           <a:uFillTx/>
-          <a:latin typeface="+mj-lt"/>
-          <a:ea typeface="+mj-ea"/>
-          <a:cs typeface="+mj-cs"/>
+          <a:latin typeface="+mn-lt"/>
+          <a:ea typeface="+mn-ea"/>
+          <a:cs typeface="+mn-cs"/>
           <a:sym typeface="Calibri"/>
         </a:defRPr>
       </a:lvl6pPr>
@@ -2345,9 +2349,9 @@
             <a:srgbClr val="000000"/>
           </a:solidFill>
           <a:uFillTx/>
-          <a:latin typeface="+mj-lt"/>
-          <a:ea typeface="+mj-ea"/>
-          <a:cs typeface="+mj-cs"/>
+          <a:latin typeface="+mn-lt"/>
+          <a:ea typeface="+mn-ea"/>
+          <a:cs typeface="+mn-cs"/>
           <a:sym typeface="Calibri"/>
         </a:defRPr>
       </a:lvl7pPr>
@@ -2371,9 +2375,9 @@
             <a:srgbClr val="000000"/>
           </a:solidFill>
           <a:uFillTx/>
-          <a:latin typeface="+mj-lt"/>
-          <a:ea typeface="+mj-ea"/>
-          <a:cs typeface="+mj-cs"/>
+          <a:latin typeface="+mn-lt"/>
+          <a:ea typeface="+mn-ea"/>
+          <a:cs typeface="+mn-cs"/>
           <a:sym typeface="Calibri"/>
         </a:defRPr>
       </a:lvl8pPr>
@@ -2397,9 +2401,9 @@
             <a:srgbClr val="000000"/>
           </a:solidFill>
           <a:uFillTx/>
-          <a:latin typeface="+mj-lt"/>
-          <a:ea typeface="+mj-ea"/>
-          <a:cs typeface="+mj-cs"/>
+          <a:latin typeface="+mn-lt"/>
+          <a:ea typeface="+mn-ea"/>
+          <a:cs typeface="+mn-cs"/>
           <a:sym typeface="Calibri"/>
         </a:defRPr>
       </a:lvl9pPr>
@@ -2723,10 +2727,10 @@
         </p:nvGrpSpPr>
         <p:grpSpPr>
           <a:xfrm>
-            <a:off x="1524000" y="3207222"/>
-            <a:ext cx="9144000" cy="2994668"/>
+            <a:off x="1524000" y="3207221"/>
+            <a:ext cx="9144000" cy="2994670"/>
             <a:chOff x="0" y="0"/>
-            <a:chExt cx="9144000" cy="2994667"/>
+            <a:chExt cx="9144000" cy="2994668"/>
           </a:xfrm>
         </p:grpSpPr>
         <p:sp>
@@ -2738,7 +2742,7 @@
           <p:spPr>
             <a:xfrm>
               <a:off x="0" y="-1"/>
-              <a:ext cx="9144000" cy="2994668"/>
+              <a:ext cx="9144000" cy="2994669"/>
             </a:xfrm>
             <a:prstGeom prst="rect">
               <a:avLst/>
@@ -2766,6 +2770,10 @@
                   <a:solidFill>
                     <a:srgbClr val="FFFFFF"/>
                   </a:solidFill>
+                  <a:latin typeface="+mn-lt"/>
+                  <a:ea typeface="+mn-ea"/>
+                  <a:cs typeface="+mn-cs"/>
+                  <a:sym typeface="Calibri"/>
                 </a:defRPr>
               </a:pPr>
             </a:p>
@@ -2805,7 +2813,12 @@
             </a:bodyPr>
             <a:lstStyle>
               <a:lvl1pPr algn="ctr">
-                <a:defRPr sz="6600"/>
+                <a:defRPr sz="6600">
+                  <a:latin typeface="+mn-lt"/>
+                  <a:ea typeface="+mn-ea"/>
+                  <a:cs typeface="+mn-cs"/>
+                  <a:sym typeface="Calibri"/>
+                </a:defRPr>
               </a:lvl1pPr>
             </a:lstStyle>
             <a:p>
@@ -2825,10 +2838,10 @@
         </p:nvGrpSpPr>
         <p:grpSpPr>
           <a:xfrm>
-            <a:off x="4133850" y="2740921"/>
-            <a:ext cx="3924300" cy="947843"/>
-            <a:chOff x="0" y="-1"/>
-            <a:chExt cx="3924300" cy="947842"/>
+            <a:off x="4133850" y="2849879"/>
+            <a:ext cx="3924300" cy="729937"/>
+            <a:chOff x="0" y="0"/>
+            <a:chExt cx="3924300" cy="729936"/>
           </a:xfrm>
         </p:grpSpPr>
         <p:sp>
@@ -2839,8 +2852,8 @@
           </p:nvSpPr>
           <p:spPr>
             <a:xfrm>
-              <a:off x="0" y="108957"/>
-              <a:ext cx="3924300" cy="729936"/>
+              <a:off x="0" y="0"/>
+              <a:ext cx="3924300" cy="729937"/>
             </a:xfrm>
             <a:prstGeom prst="rect">
               <a:avLst/>
@@ -2865,6 +2878,10 @@
                   <a:solidFill>
                     <a:srgbClr val="FFFFFF"/>
                   </a:solidFill>
+                  <a:latin typeface="+mn-lt"/>
+                  <a:ea typeface="+mn-ea"/>
+                  <a:cs typeface="+mn-cs"/>
+                  <a:sym typeface="Calibri"/>
                 </a:defRPr>
               </a:pPr>
             </a:p>
@@ -2873,17 +2890,51 @@
         <p:sp>
           <p:nvSpPr>
             <p:cNvPr id="100" name="FS dev 101"/>
-            <p:cNvSpPr txBox="1"/>
+            <p:cNvSpPr/>
             <p:nvPr/>
           </p:nvSpPr>
           <p:spPr>
             <a:xfrm>
-              <a:off x="45718" y="-2"/>
-              <a:ext cx="3832863" cy="947844"/>
+              <a:off x="45718" y="364962"/>
+              <a:ext cx="3832863" cy="1"/>
             </a:xfrm>
-            <a:prstGeom prst="rect">
+            <a:custGeom>
               <a:avLst/>
-            </a:prstGeom>
+              <a:gdLst/>
+              <a:ahLst/>
+              <a:cxnLst>
+                <a:cxn ang="0">
+                  <a:pos x="wd2" y="hd2"/>
+                </a:cxn>
+                <a:cxn ang="5400000">
+                  <a:pos x="wd2" y="hd2"/>
+                </a:cxn>
+                <a:cxn ang="10800000">
+                  <a:pos x="wd2" y="hd2"/>
+                </a:cxn>
+                <a:cxn ang="16200000">
+                  <a:pos x="wd2" y="hd2"/>
+                </a:cxn>
+              </a:cxnLst>
+              <a:rect l="0" t="0" r="r" b="b"/>
+              <a:pathLst>
+                <a:path w="21600" h="0" fill="norm" stroke="1" extrusionOk="0">
+                  <a:moveTo>
+                    <a:pt x="0" y="0"/>
+                  </a:moveTo>
+                  <a:lnTo>
+                    <a:pt x="21600" y="0"/>
+                  </a:lnTo>
+                  <a:lnTo>
+                    <a:pt x="21600" y="0"/>
+                  </a:lnTo>
+                  <a:lnTo>
+                    <a:pt x="0" y="0"/>
+                  </a:lnTo>
+                  <a:close/>
+                </a:path>
+              </a:pathLst>
+            </a:custGeom>
             <a:noFill/>
             <a:ln w="12700" cap="flat">
               <a:noFill/>
@@ -2902,7 +2953,12 @@
             </a:bodyPr>
             <a:lstStyle>
               <a:lvl1pPr algn="ctr">
-                <a:defRPr sz="6600"/>
+                <a:defRPr sz="4000">
+                  <a:latin typeface="+mn-lt"/>
+                  <a:ea typeface="+mn-ea"/>
+                  <a:cs typeface="+mn-cs"/>
+                  <a:sym typeface="Calibri"/>
+                </a:defRPr>
               </a:lvl1pPr>
             </a:lstStyle>
             <a:p>
@@ -2922,8 +2978,8 @@
         </p:nvSpPr>
         <p:spPr>
           <a:xfrm>
-            <a:off x="3034655" y="-378140"/>
-            <a:ext cx="6363721" cy="3736337"/>
+            <a:off x="3034654" y="-378141"/>
+            <a:ext cx="6363723" cy="3736337"/>
           </a:xfrm>
           <a:prstGeom prst="rect">
             <a:avLst/>
@@ -2943,12 +2999,7 @@
           </a:bodyPr>
           <a:lstStyle>
             <a:lvl1pPr algn="ctr">
-              <a:defRPr b="1" sz="23900">
-                <a:latin typeface="+mn-lt"/>
-                <a:ea typeface="+mn-ea"/>
-                <a:cs typeface="+mn-cs"/>
-                <a:sym typeface="Helvetica"/>
-              </a:defRPr>
+              <a:defRPr b="1" sz="23900"/>
             </a:lvl1pPr>
           </a:lstStyle>
           <a:p>
@@ -3024,8 +3075,8 @@
         </p:nvSpPr>
         <p:spPr>
           <a:xfrm>
-            <a:off x="328860" y="328612"/>
-            <a:ext cx="11024940" cy="5848351"/>
+            <a:off x="328859" y="328611"/>
+            <a:ext cx="11024942" cy="5848353"/>
           </a:xfrm>
           <a:prstGeom prst="rect">
             <a:avLst/>
@@ -3041,7 +3092,7 @@
               </a:spcBef>
               <a:buSzTx/>
               <a:buNone/>
-              <a:defRPr sz="1775"/>
+              <a:defRPr sz="1700"/>
             </a:pPr>
           </a:p>
           <a:p>
@@ -3051,7 +3102,7 @@
               </a:spcBef>
               <a:buSzTx/>
               <a:buNone/>
-              <a:defRPr sz="1775"/>
+              <a:defRPr sz="1700"/>
             </a:pPr>
             <a:r>
               <a:t>&lt;!DOCTYPE html&gt;</a:t>
@@ -3064,7 +3115,7 @@
               </a:spcBef>
               <a:buSzTx/>
               <a:buNone/>
-              <a:defRPr sz="1775"/>
+              <a:defRPr sz="1700"/>
             </a:pPr>
             <a:r>
               <a:t>&lt;html lang="en"&gt;</a:t>
@@ -3077,7 +3128,7 @@
               </a:spcBef>
               <a:buSzTx/>
               <a:buNone/>
-              <a:defRPr sz="1775"/>
+              <a:defRPr sz="1700"/>
             </a:pPr>
             <a:r>
               <a:t>&lt;head&gt;</a:t>
@@ -3090,7 +3141,7 @@
               </a:spcBef>
               <a:buSzTx/>
               <a:buNone/>
-              <a:defRPr sz="1775"/>
+              <a:defRPr sz="1700"/>
             </a:pPr>
             <a:r>
               <a:t>  &lt;title&gt;Master the DOM!&lt;/title&gt;</a:t>
@@ -3103,7 +3154,7 @@
               </a:spcBef>
               <a:buSzTx/>
               <a:buNone/>
-              <a:defRPr sz="1775"/>
+              <a:defRPr sz="1700"/>
             </a:pPr>
             <a:r>
               <a:t>&lt;/head&gt;</a:t>
@@ -3116,7 +3167,7 @@
               </a:spcBef>
               <a:buSzTx/>
               <a:buNone/>
-              <a:defRPr sz="1775"/>
+              <a:defRPr sz="1700"/>
             </a:pPr>
             <a:r>
               <a:t>&lt;body&gt;</a:t>
@@ -3129,7 +3180,7 @@
               </a:spcBef>
               <a:buSzTx/>
               <a:buNone/>
-              <a:defRPr sz="1775"/>
+              <a:defRPr sz="1700"/>
             </a:pPr>
             <a:r>
               <a:t>  &lt;h1&gt;DOM manipulation in 10 mins&lt;/h1&gt;</a:t>
@@ -3142,7 +3193,7 @@
               </a:spcBef>
               <a:buSzTx/>
               <a:buNone/>
-              <a:defRPr sz="1775"/>
+              <a:defRPr sz="1700"/>
             </a:pPr>
             <a:r>
               <a:t>  &lt;div id="uniqueId1"&gt;I'm an ID&lt;/div&gt;</a:t>
@@ -3155,7 +3206,7 @@
               </a:spcBef>
               <a:buSzTx/>
               <a:buNone/>
-              <a:defRPr sz="1775"/>
+              <a:defRPr sz="1700"/>
             </a:pPr>
             <a:r>
               <a:t>  &lt;div class="Common"&gt;I'm a class&lt;/div&gt;</a:t>
@@ -3168,7 +3219,7 @@
               </a:spcBef>
               <a:buSzTx/>
               <a:buNone/>
-              <a:defRPr sz="1775"/>
+              <a:defRPr sz="1700"/>
             </a:pPr>
             <a:r>
               <a:t>  &lt;div class="Common"&gt;I'm another class&lt;/div&gt;</a:t>
@@ -3181,7 +3232,7 @@
               </a:spcBef>
               <a:buSzTx/>
               <a:buNone/>
-              <a:defRPr sz="1775"/>
+              <a:defRPr sz="1700"/>
             </a:pPr>
             <a:r>
               <a:t>  &lt;section&gt;I'm a tag&lt;/section&gt;</a:t>
@@ -3194,7 +3245,7 @@
               </a:spcBef>
               <a:buSzTx/>
               <a:buNone/>
-              <a:defRPr sz="1775"/>
+              <a:defRPr sz="1700"/>
             </a:pPr>
             <a:r>
               <a:t>  &lt;section&gt;I'm another tag&lt;/section&gt;</a:t>
@@ -3207,7 +3258,7 @@
               </a:spcBef>
               <a:buSzTx/>
               <a:buNone/>
-              <a:defRPr sz="1775"/>
+              <a:defRPr sz="1700"/>
             </a:pPr>
             <a:r>
               <a:t>  &lt;div id="uniqueId2"&gt;Use a query selector&lt;/div&gt;</a:t>
@@ -3220,7 +3271,7 @@
               </a:spcBef>
               <a:buSzTx/>
               <a:buNone/>
-              <a:defRPr sz="1775"/>
+              <a:defRPr sz="1700"/>
             </a:pPr>
             <a:r>
               <a:t>  &lt;div class="test-query-all"&gt;Use query selector ALL&lt;/div&gt;</a:t>
@@ -3233,7 +3284,7 @@
               </a:spcBef>
               <a:buSzTx/>
               <a:buNone/>
-              <a:defRPr sz="1775"/>
+              <a:defRPr sz="1700"/>
             </a:pPr>
             <a:r>
               <a:t>  &lt;div class="test-query-all"&gt;Use query selector ALL&lt;/div&gt;</a:t>
@@ -3246,7 +3297,7 @@
               </a:spcBef>
               <a:buSzTx/>
               <a:buNone/>
-              <a:defRPr sz="1775"/>
+              <a:defRPr sz="1700"/>
             </a:pPr>
             <a:r>
               <a:t>&lt;/body&gt;</a:t>
@@ -3259,7 +3310,7 @@
               </a:spcBef>
               <a:buSzTx/>
               <a:buNone/>
-              <a:defRPr sz="1775"/>
+              <a:defRPr sz="1700"/>
             </a:pPr>
             <a:r>
               <a:t>&lt;/html&gt;</a:t>
@@ -3285,8 +3336,8 @@
         </p:blipFill>
         <p:spPr>
           <a:xfrm>
-            <a:off x="6082826" y="1041399"/>
-            <a:ext cx="4505761" cy="3167806"/>
+            <a:off x="6082825" y="1041399"/>
+            <a:ext cx="4505763" cy="3167807"/>
           </a:xfrm>
           <a:prstGeom prst="rect">
             <a:avLst/>
@@ -3400,7 +3451,7 @@
           <a:bodyPr/>
           <a:lstStyle/>
           <a:p>
-            <a:pPr marL="374315" indent="-374315">
+            <a:pPr marL="374314" indent="-374314">
               <a:buFontTx/>
               <a:buAutoNum type="arabicPeriod" startAt="1"/>
             </a:pPr>
@@ -3409,7 +3460,7 @@
             </a:r>
           </a:p>
           <a:p>
-            <a:pPr marL="374315" indent="-374315">
+            <a:pPr marL="374314" indent="-374314">
               <a:buFontTx/>
               <a:buAutoNum type="arabicPeriod" startAt="1"/>
             </a:pPr>
@@ -3447,7 +3498,7 @@
         <p:spPr>
           <a:xfrm>
             <a:off x="3378522" y="3606800"/>
-            <a:ext cx="4701908" cy="3222327"/>
+            <a:ext cx="4701909" cy="3222327"/>
           </a:xfrm>
           <a:prstGeom prst="rect">
             <a:avLst/>
@@ -3688,6 +3739,10 @@
           </p:nvPr>
         </p:nvSpPr>
         <p:spPr>
+          <a:xfrm>
+            <a:off x="838200" y="365125"/>
+            <a:ext cx="10515600" cy="1325563"/>
+          </a:xfrm>
           <a:prstGeom prst="rect">
             <a:avLst/>
           </a:prstGeom>
@@ -3712,6 +3767,10 @@
           </p:nvPr>
         </p:nvSpPr>
         <p:spPr>
+          <a:xfrm>
+            <a:off x="838200" y="1825625"/>
+            <a:ext cx="10515600" cy="4351338"/>
+          </a:xfrm>
           <a:prstGeom prst="rect">
             <a:avLst/>
           </a:prstGeom>
@@ -3906,6 +3965,10 @@
           </p:nvPr>
         </p:nvSpPr>
         <p:spPr>
+          <a:xfrm>
+            <a:off x="838200" y="365125"/>
+            <a:ext cx="10515600" cy="1325563"/>
+          </a:xfrm>
           <a:prstGeom prst="rect">
             <a:avLst/>
           </a:prstGeom>
@@ -3930,6 +3993,10 @@
           </p:nvPr>
         </p:nvSpPr>
         <p:spPr>
+          <a:xfrm>
+            <a:off x="838200" y="1825625"/>
+            <a:ext cx="10515600" cy="4351338"/>
+          </a:xfrm>
           <a:prstGeom prst="rect">
             <a:avLst/>
           </a:prstGeom>
@@ -4385,14 +4452,14 @@
     </a:clrScheme>
     <a:fontScheme name="Office Theme">
       <a:majorFont>
+        <a:latin typeface="Helvetica"/>
+        <a:ea typeface="Helvetica"/>
+        <a:cs typeface="Helvetica"/>
+      </a:majorFont>
+      <a:minorFont>
         <a:latin typeface="Calibri"/>
         <a:ea typeface="Calibri"/>
         <a:cs typeface="Calibri"/>
-      </a:majorFont>
-      <a:minorFont>
-        <a:latin typeface="Helvetica"/>
-        <a:ea typeface="Helvetica"/>
-        <a:cs typeface="Helvetica"/>
       </a:minorFont>
     </a:fontScheme>
     <a:fmtScheme name="Office Theme">
@@ -4576,7 +4643,7 @@
             <a:latin typeface="+mj-lt"/>
             <a:ea typeface="+mj-ea"/>
             <a:cs typeface="+mj-cs"/>
-            <a:sym typeface="Calibri"/>
+            <a:sym typeface="Helvetica"/>
           </a:defRPr>
         </a:defPPr>
         <a:lvl1pPr marL="0" marR="0" indent="0" algn="l" defTabSz="914400" rtl="0" fontAlgn="auto" latinLnBrk="1" hangingPunct="0">
@@ -5147,7 +5214,7 @@
             <a:latin typeface="+mj-lt"/>
             <a:ea typeface="+mj-ea"/>
             <a:cs typeface="+mj-cs"/>
-            <a:sym typeface="Calibri"/>
+            <a:sym typeface="Helvetica"/>
           </a:defRPr>
         </a:defPPr>
         <a:lvl1pPr marL="0" marR="0" indent="0" algn="l" defTabSz="914400" rtl="0" fontAlgn="auto" latinLnBrk="1" hangingPunct="0">
@@ -5439,14 +5506,14 @@
     </a:clrScheme>
     <a:fontScheme name="Office Theme">
       <a:majorFont>
+        <a:latin typeface="Helvetica"/>
+        <a:ea typeface="Helvetica"/>
+        <a:cs typeface="Helvetica"/>
+      </a:majorFont>
+      <a:minorFont>
         <a:latin typeface="Calibri"/>
         <a:ea typeface="Calibri"/>
         <a:cs typeface="Calibri"/>
-      </a:majorFont>
-      <a:minorFont>
-        <a:latin typeface="Helvetica"/>
-        <a:ea typeface="Helvetica"/>
-        <a:cs typeface="Helvetica"/>
       </a:minorFont>
     </a:fontScheme>
     <a:fmtScheme name="Office Theme">
@@ -5630,7 +5697,7 @@
             <a:latin typeface="+mj-lt"/>
             <a:ea typeface="+mj-ea"/>
             <a:cs typeface="+mj-cs"/>
-            <a:sym typeface="Calibri"/>
+            <a:sym typeface="Helvetica"/>
           </a:defRPr>
         </a:defPPr>
         <a:lvl1pPr marL="0" marR="0" indent="0" algn="l" defTabSz="914400" rtl="0" fontAlgn="auto" latinLnBrk="1" hangingPunct="0">
@@ -6201,7 +6268,7 @@
             <a:latin typeface="+mj-lt"/>
             <a:ea typeface="+mj-ea"/>
             <a:cs typeface="+mj-cs"/>
-            <a:sym typeface="Calibri"/>
+            <a:sym typeface="Helvetica"/>
           </a:defRPr>
         </a:defPPr>
         <a:lvl1pPr marL="0" marR="0" indent="0" algn="l" defTabSz="914400" rtl="0" fontAlgn="auto" latinLnBrk="1" hangingPunct="0">
